--- a/docs/img/서버구조.pptx
+++ b/docs/img/서버구조.pptx
@@ -4836,7 +4836,7 @@
         </p:nvSpPr>
         <p:spPr>
           <a:xfrm>
-            <a:off x="10315931" y="3296775"/>
+            <a:off x="10147518" y="3441103"/>
             <a:ext cx="1277850" cy="369332"/>
           </a:xfrm>
           <a:prstGeom prst="rect">
@@ -4844,9 +4844,7 @@
           </a:prstGeom>
           <a:noFill/>
           <a:ln>
-            <a:solidFill>
-              <a:schemeClr val="bg1"/>
-            </a:solidFill>
+            <a:noFill/>
           </a:ln>
         </p:spPr>
         <p:txBody>
@@ -4856,7 +4854,7 @@
           <a:lstStyle/>
           <a:p>
             <a:r>
-              <a:rPr lang="en-US" altLang="ko-KR">
+              <a:rPr lang="en-US" altLang="ko-KR" dirty="0">
                 <a:solidFill>
                   <a:schemeClr val="bg1"/>
                 </a:solidFill>
@@ -4896,9 +4894,7 @@
           </a:prstGeom>
           <a:noFill/>
           <a:ln>
-            <a:solidFill>
-              <a:schemeClr val="bg1"/>
-            </a:solidFill>
+            <a:noFill/>
           </a:ln>
         </p:spPr>
         <p:txBody>
@@ -5673,6 +5669,64 @@
               <a:t>function</a:t>
             </a:r>
             <a:endParaRPr lang="ko-KR" altLang="en-US" sz="1400" dirty="0">
+              <a:solidFill>
+                <a:schemeClr val="tx1"/>
+              </a:solidFill>
+            </a:endParaRPr>
+          </a:p>
+        </p:txBody>
+      </p:sp>
+      <p:sp>
+        <p:nvSpPr>
+          <p:cNvPr id="2" name="화살표: 갈매기형 수장 1">
+            <a:extLst>
+              <a:ext uri="{FF2B5EF4-FFF2-40B4-BE49-F238E27FC236}">
+                <a16:creationId xmlns:a16="http://schemas.microsoft.com/office/drawing/2014/main" id="{419D7BDB-570B-4580-8E0F-55926BD83484}"/>
+              </a:ext>
+            </a:extLst>
+          </p:cNvPr>
+          <p:cNvSpPr/>
+          <p:nvPr/>
+        </p:nvSpPr>
+        <p:spPr>
+          <a:xfrm>
+            <a:off x="5712493" y="1537471"/>
+            <a:ext cx="868549" cy="4185903"/>
+          </a:xfrm>
+          <a:prstGeom prst="chevron">
+            <a:avLst>
+              <a:gd name="adj" fmla="val 65184"/>
+            </a:avLst>
+          </a:prstGeom>
+          <a:solidFill>
+            <a:schemeClr val="bg1"/>
+          </a:solidFill>
+          <a:ln>
+            <a:noFill/>
+          </a:ln>
+        </p:spPr>
+        <p:style>
+          <a:lnRef idx="2">
+            <a:schemeClr val="accent1">
+              <a:shade val="50000"/>
+            </a:schemeClr>
+          </a:lnRef>
+          <a:fillRef idx="1">
+            <a:schemeClr val="accent1"/>
+          </a:fillRef>
+          <a:effectRef idx="0">
+            <a:schemeClr val="accent1"/>
+          </a:effectRef>
+          <a:fontRef idx="minor">
+            <a:schemeClr val="lt1"/>
+          </a:fontRef>
+        </p:style>
+        <p:txBody>
+          <a:bodyPr rtlCol="0" anchor="ctr"/>
+          <a:lstStyle/>
+          <a:p>
+            <a:pPr algn="ctr"/>
+            <a:endParaRPr lang="ko-KR" altLang="en-US">
               <a:solidFill>
                 <a:schemeClr val="tx1"/>
               </a:solidFill>
@@ -5724,7 +5778,7 @@
         </p:nvSpPr>
         <p:spPr>
           <a:xfrm>
-            <a:off x="7505209" y="706558"/>
+            <a:off x="8023955" y="530094"/>
             <a:ext cx="2878097" cy="603738"/>
           </a:xfrm>
           <a:prstGeom prst="roundRect">
@@ -5794,7 +5848,7 @@
         </p:nvSpPr>
         <p:spPr>
           <a:xfrm>
-            <a:off x="6621621" y="2065008"/>
+            <a:off x="7140367" y="1888544"/>
             <a:ext cx="1427369" cy="455736"/>
           </a:xfrm>
           <a:prstGeom prst="roundRect">
@@ -5864,7 +5918,7 @@
         </p:nvSpPr>
         <p:spPr>
           <a:xfrm>
-            <a:off x="6621621" y="1546263"/>
+            <a:off x="7140367" y="1369799"/>
             <a:ext cx="1427369" cy="455736"/>
           </a:xfrm>
           <a:prstGeom prst="roundRect">
@@ -5934,7 +5988,7 @@
         </p:nvSpPr>
         <p:spPr>
           <a:xfrm>
-            <a:off x="8145621" y="2065008"/>
+            <a:off x="8664367" y="1888544"/>
             <a:ext cx="1427369" cy="455736"/>
           </a:xfrm>
           <a:prstGeom prst="roundRect">
@@ -6004,7 +6058,7 @@
         </p:nvSpPr>
         <p:spPr>
           <a:xfrm>
-            <a:off x="8145621" y="1546263"/>
+            <a:off x="8664367" y="1369799"/>
             <a:ext cx="1427369" cy="455736"/>
           </a:xfrm>
           <a:prstGeom prst="roundRect">
@@ -6074,7 +6128,7 @@
         </p:nvSpPr>
         <p:spPr>
           <a:xfrm>
-            <a:off x="9669621" y="2065008"/>
+            <a:off x="10188367" y="1888544"/>
             <a:ext cx="1427369" cy="455736"/>
           </a:xfrm>
           <a:prstGeom prst="roundRect">
@@ -6144,7 +6198,7 @@
         </p:nvSpPr>
         <p:spPr>
           <a:xfrm>
-            <a:off x="9669621" y="1546263"/>
+            <a:off x="10188367" y="1369799"/>
             <a:ext cx="1427369" cy="455736"/>
           </a:xfrm>
           <a:prstGeom prst="roundRect">
@@ -6214,7 +6268,7 @@
         </p:nvSpPr>
         <p:spPr>
           <a:xfrm>
-            <a:off x="7917021" y="4785628"/>
+            <a:off x="8435767" y="4609164"/>
             <a:ext cx="1905000" cy="455736"/>
           </a:xfrm>
           <a:prstGeom prst="roundRect">
@@ -6284,7 +6338,7 @@
         </p:nvSpPr>
         <p:spPr>
           <a:xfrm>
-            <a:off x="7917021" y="4260288"/>
+            <a:off x="8435767" y="4083824"/>
             <a:ext cx="1905000" cy="455736"/>
           </a:xfrm>
           <a:prstGeom prst="roundRect">
@@ -6354,7 +6408,7 @@
         </p:nvSpPr>
         <p:spPr>
           <a:xfrm>
-            <a:off x="7917021" y="3712602"/>
+            <a:off x="8435767" y="3536138"/>
             <a:ext cx="926076" cy="455736"/>
           </a:xfrm>
           <a:prstGeom prst="roundRect">
@@ -6424,7 +6478,7 @@
         </p:nvSpPr>
         <p:spPr>
           <a:xfrm>
-            <a:off x="8934450" y="3712602"/>
+            <a:off x="9453196" y="3536138"/>
             <a:ext cx="887571" cy="455736"/>
           </a:xfrm>
           <a:prstGeom prst="roundRect">
@@ -6496,7 +6550,7 @@
         </p:nvCxnSpPr>
         <p:spPr>
           <a:xfrm>
-            <a:off x="8838690" y="2943668"/>
+            <a:off x="9357436" y="2767204"/>
             <a:ext cx="0" cy="455736"/>
           </a:xfrm>
           <a:prstGeom prst="straightConnector1">
@@ -6504,10 +6558,7 @@
           </a:prstGeom>
           <a:ln w="25400">
             <a:solidFill>
-              <a:schemeClr val="tx1">
-                <a:lumMod val="95000"/>
-                <a:lumOff val="5000"/>
-              </a:schemeClr>
+              <a:schemeClr val="bg1"/>
             </a:solidFill>
             <a:headEnd type="triangle"/>
             <a:tailEnd type="triangle"/>
@@ -6544,7 +6595,7 @@
         </p:nvCxnSpPr>
         <p:spPr>
           <a:xfrm>
-            <a:off x="7658967" y="2920925"/>
+            <a:off x="8177713" y="2744461"/>
             <a:ext cx="466039" cy="464452"/>
           </a:xfrm>
           <a:prstGeom prst="straightConnector1">
@@ -6552,10 +6603,7 @@
           </a:prstGeom>
           <a:ln w="25400">
             <a:solidFill>
-              <a:schemeClr val="tx1">
-                <a:lumMod val="95000"/>
-                <a:lumOff val="5000"/>
-              </a:schemeClr>
+              <a:schemeClr val="bg1"/>
             </a:solidFill>
             <a:headEnd type="triangle"/>
             <a:tailEnd type="triangle"/>
@@ -6592,7 +6640,7 @@
         </p:nvCxnSpPr>
         <p:spPr>
           <a:xfrm flipH="1">
-            <a:off x="9596464" y="2943668"/>
+            <a:off x="10115210" y="2767204"/>
             <a:ext cx="451114" cy="486619"/>
           </a:xfrm>
           <a:prstGeom prst="straightConnector1">
@@ -6600,10 +6648,7 @@
           </a:prstGeom>
           <a:ln w="25400">
             <a:solidFill>
-              <a:schemeClr val="tx1">
-                <a:lumMod val="95000"/>
-                <a:lumOff val="5000"/>
-              </a:schemeClr>
+              <a:schemeClr val="bg1"/>
             </a:solidFill>
             <a:headEnd type="triangle"/>
             <a:tailEnd type="triangle"/>
@@ -6638,8 +6683,8 @@
         </p:nvSpPr>
         <p:spPr>
           <a:xfrm>
-            <a:off x="10166426" y="3030040"/>
-            <a:ext cx="1292277" cy="369332"/>
+            <a:off x="10685172" y="2853576"/>
+            <a:ext cx="694357" cy="369332"/>
           </a:xfrm>
           <a:prstGeom prst="rect">
             <a:avLst/>
@@ -6653,13 +6698,18 @@
           <a:lstStyle/>
           <a:p>
             <a:r>
-              <a:rPr lang="en-US" altLang="ko-KR" dirty="0" err="1"/>
-              <a:t>Std</a:t>
-            </a:r>
-            <a:r>
-              <a:rPr lang="ko-KR" altLang="en-US" dirty="0"/>
-              <a:t> 스트림</a:t>
-            </a:r>
+              <a:rPr lang="en-US" altLang="ko-KR" dirty="0" err="1">
+                <a:solidFill>
+                  <a:schemeClr val="bg1"/>
+                </a:solidFill>
+              </a:rPr>
+              <a:t>stdio</a:t>
+            </a:r>
+            <a:endParaRPr lang="ko-KR" altLang="en-US" dirty="0">
+              <a:solidFill>
+                <a:schemeClr val="bg1"/>
+              </a:solidFill>
+            </a:endParaRPr>
           </a:p>
         </p:txBody>
       </p:sp>
@@ -6679,7 +6729,7 @@
         </p:nvCxnSpPr>
         <p:spPr>
           <a:xfrm>
-            <a:off x="8846838" y="5466608"/>
+            <a:off x="9365584" y="5290144"/>
             <a:ext cx="1" cy="310447"/>
           </a:xfrm>
           <a:prstGeom prst="straightConnector1">
@@ -6687,10 +6737,7 @@
           </a:prstGeom>
           <a:ln w="25400">
             <a:solidFill>
-              <a:schemeClr val="tx1">
-                <a:lumMod val="95000"/>
-                <a:lumOff val="5000"/>
-              </a:schemeClr>
+              <a:schemeClr val="bg1"/>
             </a:solidFill>
             <a:headEnd type="triangle"/>
             <a:tailEnd type="triangle"/>
@@ -6725,7 +6772,7 @@
         </p:nvSpPr>
         <p:spPr>
           <a:xfrm>
-            <a:off x="8970495" y="5423931"/>
+            <a:off x="9489241" y="5247467"/>
             <a:ext cx="1277850" cy="369332"/>
           </a:xfrm>
           <a:prstGeom prst="rect">
@@ -6740,11 +6787,19 @@
           <a:lstStyle/>
           <a:p>
             <a:r>
-              <a:rPr lang="en-US" altLang="ko-KR"/>
+              <a:rPr lang="en-US" altLang="ko-KR">
+                <a:solidFill>
+                  <a:schemeClr val="bg1"/>
+                </a:solidFill>
+              </a:rPr>
               <a:t>HTTP </a:t>
             </a:r>
             <a:r>
-              <a:rPr lang="ko-KR" altLang="en-US" dirty="0"/>
+              <a:rPr lang="ko-KR" altLang="en-US" dirty="0">
+                <a:solidFill>
+                  <a:schemeClr val="bg1"/>
+                </a:solidFill>
+              </a:rPr>
               <a:t>통신</a:t>
             </a:r>
           </a:p>
@@ -6764,7 +6819,7 @@
         </p:nvSpPr>
         <p:spPr>
           <a:xfrm>
-            <a:off x="7891986" y="5969727"/>
+            <a:off x="8410732" y="5793263"/>
             <a:ext cx="1930035" cy="560157"/>
           </a:xfrm>
           <a:prstGeom prst="roundRect">
@@ -6834,7 +6889,7 @@
         </p:nvSpPr>
         <p:spPr>
           <a:xfrm>
-            <a:off x="2719518" y="5978420"/>
+            <a:off x="2321324" y="5793263"/>
             <a:ext cx="1452949" cy="560157"/>
           </a:xfrm>
           <a:prstGeom prst="roundRect">
@@ -6904,7 +6959,7 @@
         </p:nvSpPr>
         <p:spPr>
           <a:xfrm>
-            <a:off x="2064215" y="706558"/>
+            <a:off x="1666021" y="521401"/>
             <a:ext cx="3034033" cy="603738"/>
           </a:xfrm>
           <a:prstGeom prst="roundRect">
@@ -6977,7 +7032,7 @@
         </p:nvSpPr>
         <p:spPr>
           <a:xfrm>
-            <a:off x="1221098" y="2599041"/>
+            <a:off x="822904" y="2413884"/>
             <a:ext cx="1427369" cy="455736"/>
           </a:xfrm>
           <a:prstGeom prst="roundRect">
@@ -7050,7 +7105,7 @@
         </p:nvSpPr>
         <p:spPr>
           <a:xfrm>
-            <a:off x="1221098" y="2073701"/>
+            <a:off x="822904" y="1888544"/>
             <a:ext cx="1427369" cy="455736"/>
           </a:xfrm>
           <a:prstGeom prst="roundRect">
@@ -7123,7 +7178,7 @@
         </p:nvSpPr>
         <p:spPr>
           <a:xfrm>
-            <a:off x="1221099" y="1554956"/>
+            <a:off x="822905" y="1369799"/>
             <a:ext cx="926076" cy="455736"/>
           </a:xfrm>
           <a:prstGeom prst="roundRect">
@@ -7196,7 +7251,7 @@
         </p:nvSpPr>
         <p:spPr>
           <a:xfrm>
-            <a:off x="2745098" y="2599041"/>
+            <a:off x="2346904" y="2413884"/>
             <a:ext cx="1427369" cy="455736"/>
           </a:xfrm>
           <a:prstGeom prst="roundRect">
@@ -7269,7 +7324,7 @@
         </p:nvSpPr>
         <p:spPr>
           <a:xfrm>
-            <a:off x="2745098" y="2073701"/>
+            <a:off x="2346904" y="1888544"/>
             <a:ext cx="1427369" cy="455736"/>
           </a:xfrm>
           <a:prstGeom prst="roundRect">
@@ -7342,7 +7397,7 @@
         </p:nvSpPr>
         <p:spPr>
           <a:xfrm>
-            <a:off x="4269098" y="2599041"/>
+            <a:off x="3870904" y="2413884"/>
             <a:ext cx="1427369" cy="455736"/>
           </a:xfrm>
           <a:prstGeom prst="roundRect">
@@ -7415,7 +7470,7 @@
         </p:nvSpPr>
         <p:spPr>
           <a:xfrm>
-            <a:off x="4269098" y="2073701"/>
+            <a:off x="3870904" y="1888544"/>
             <a:ext cx="1427369" cy="455736"/>
           </a:xfrm>
           <a:prstGeom prst="roundRect">
@@ -7488,7 +7543,7 @@
         </p:nvSpPr>
         <p:spPr>
           <a:xfrm>
-            <a:off x="2745098" y="4794321"/>
+            <a:off x="2346904" y="4609164"/>
             <a:ext cx="1427369" cy="455736"/>
           </a:xfrm>
           <a:prstGeom prst="roundRect">
@@ -7561,7 +7616,7 @@
         </p:nvSpPr>
         <p:spPr>
           <a:xfrm>
-            <a:off x="2745098" y="4268981"/>
+            <a:off x="2346904" y="4083824"/>
             <a:ext cx="1427369" cy="455736"/>
           </a:xfrm>
           <a:prstGeom prst="roundRect">
@@ -7634,7 +7689,7 @@
         </p:nvSpPr>
         <p:spPr>
           <a:xfrm>
-            <a:off x="2185429" y="1554956"/>
+            <a:off x="1787235" y="1369799"/>
             <a:ext cx="463038" cy="455736"/>
           </a:xfrm>
           <a:prstGeom prst="roundRect">
@@ -7707,7 +7762,7 @@
         </p:nvSpPr>
         <p:spPr>
           <a:xfrm>
-            <a:off x="2745099" y="1554956"/>
+            <a:off x="2346905" y="1369799"/>
             <a:ext cx="926076" cy="455736"/>
           </a:xfrm>
           <a:prstGeom prst="roundRect">
@@ -7780,7 +7835,7 @@
         </p:nvSpPr>
         <p:spPr>
           <a:xfrm>
-            <a:off x="3709429" y="1554956"/>
+            <a:off x="3311235" y="1369799"/>
             <a:ext cx="463038" cy="455736"/>
           </a:xfrm>
           <a:prstGeom prst="roundRect">
@@ -7853,7 +7908,7 @@
         </p:nvSpPr>
         <p:spPr>
           <a:xfrm>
-            <a:off x="4269099" y="1554956"/>
+            <a:off x="3870905" y="1369799"/>
             <a:ext cx="926076" cy="455736"/>
           </a:xfrm>
           <a:prstGeom prst="roundRect">
@@ -7926,7 +7981,7 @@
         </p:nvSpPr>
         <p:spPr>
           <a:xfrm>
-            <a:off x="5233429" y="1554956"/>
+            <a:off x="4835235" y="1369799"/>
             <a:ext cx="463038" cy="455736"/>
           </a:xfrm>
           <a:prstGeom prst="roundRect">
@@ -7999,7 +8054,7 @@
         </p:nvSpPr>
         <p:spPr>
           <a:xfrm>
-            <a:off x="2745099" y="3743641"/>
+            <a:off x="2346905" y="3558484"/>
             <a:ext cx="926076" cy="455736"/>
           </a:xfrm>
           <a:prstGeom prst="roundRect">
@@ -8072,7 +8127,7 @@
         </p:nvSpPr>
         <p:spPr>
           <a:xfrm>
-            <a:off x="3709429" y="3743641"/>
+            <a:off x="3311235" y="3558484"/>
             <a:ext cx="463038" cy="455736"/>
           </a:xfrm>
           <a:prstGeom prst="roundRect">
@@ -8147,7 +8202,7 @@
         </p:nvCxnSpPr>
         <p:spPr>
           <a:xfrm>
-            <a:off x="3458782" y="3189726"/>
+            <a:off x="3060588" y="3004569"/>
             <a:ext cx="0" cy="455736"/>
           </a:xfrm>
           <a:prstGeom prst="straightConnector1">
@@ -8155,10 +8210,7 @@
           </a:prstGeom>
           <a:ln w="25400">
             <a:solidFill>
-              <a:schemeClr val="tx1">
-                <a:lumMod val="95000"/>
-                <a:lumOff val="5000"/>
-              </a:schemeClr>
+              <a:schemeClr val="bg1"/>
             </a:solidFill>
             <a:headEnd type="triangle"/>
             <a:tailEnd type="triangle"/>
@@ -8195,7 +8247,7 @@
         </p:nvCxnSpPr>
         <p:spPr>
           <a:xfrm>
-            <a:off x="2279059" y="3166983"/>
+            <a:off x="1880865" y="2981826"/>
             <a:ext cx="466039" cy="464452"/>
           </a:xfrm>
           <a:prstGeom prst="straightConnector1">
@@ -8203,10 +8255,7 @@
           </a:prstGeom>
           <a:ln w="25400">
             <a:solidFill>
-              <a:schemeClr val="tx1">
-                <a:lumMod val="95000"/>
-                <a:lumOff val="5000"/>
-              </a:schemeClr>
+              <a:schemeClr val="bg1"/>
             </a:solidFill>
             <a:headEnd type="triangle"/>
             <a:tailEnd type="triangle"/>
@@ -8243,7 +8292,7 @@
         </p:nvCxnSpPr>
         <p:spPr>
           <a:xfrm flipH="1">
-            <a:off x="4216556" y="3189726"/>
+            <a:off x="3818362" y="3004569"/>
             <a:ext cx="451114" cy="486619"/>
           </a:xfrm>
           <a:prstGeom prst="straightConnector1">
@@ -8251,10 +8300,7 @@
           </a:prstGeom>
           <a:ln w="25400">
             <a:solidFill>
-              <a:schemeClr val="tx1">
-                <a:lumMod val="95000"/>
-                <a:lumOff val="5000"/>
-              </a:schemeClr>
+              <a:schemeClr val="bg1"/>
             </a:solidFill>
             <a:headEnd type="triangle"/>
             <a:tailEnd type="triangle"/>
@@ -8291,7 +8337,7 @@
         </p:nvCxnSpPr>
         <p:spPr>
           <a:xfrm>
-            <a:off x="3428313" y="5430412"/>
+            <a:off x="3030119" y="5245255"/>
             <a:ext cx="1" cy="310447"/>
           </a:xfrm>
           <a:prstGeom prst="straightConnector1">
@@ -8299,10 +8345,7 @@
           </a:prstGeom>
           <a:ln w="25400">
             <a:solidFill>
-              <a:schemeClr val="tx1">
-                <a:lumMod val="95000"/>
-                <a:lumOff val="5000"/>
-              </a:schemeClr>
+              <a:schemeClr val="bg1"/>
             </a:solidFill>
             <a:headEnd type="triangle"/>
             <a:tailEnd type="triangle"/>
@@ -8337,7 +8380,7 @@
         </p:nvSpPr>
         <p:spPr>
           <a:xfrm>
-            <a:off x="4587030" y="3314260"/>
+            <a:off x="4188836" y="3129103"/>
             <a:ext cx="1277850" cy="369332"/>
           </a:xfrm>
           <a:prstGeom prst="rect">
@@ -8352,11 +8395,19 @@
           <a:lstStyle/>
           <a:p>
             <a:r>
-              <a:rPr lang="en-US" altLang="ko-KR"/>
+              <a:rPr lang="en-US" altLang="ko-KR">
+                <a:solidFill>
+                  <a:schemeClr val="bg1"/>
+                </a:solidFill>
+              </a:rPr>
               <a:t>HTTP </a:t>
             </a:r>
             <a:r>
-              <a:rPr lang="ko-KR" altLang="en-US" dirty="0"/>
+              <a:rPr lang="ko-KR" altLang="en-US" dirty="0">
+                <a:solidFill>
+                  <a:schemeClr val="bg1"/>
+                </a:solidFill>
+              </a:rPr>
               <a:t>통신</a:t>
             </a:r>
           </a:p>
@@ -8376,7 +8427,7 @@
         </p:nvSpPr>
         <p:spPr>
           <a:xfrm>
-            <a:off x="3551970" y="5387735"/>
+            <a:off x="3153776" y="5202578"/>
             <a:ext cx="1277850" cy="369332"/>
           </a:xfrm>
           <a:prstGeom prst="rect">
@@ -8391,13 +8442,79 @@
           <a:lstStyle/>
           <a:p>
             <a:r>
-              <a:rPr lang="en-US" altLang="ko-KR"/>
+              <a:rPr lang="en-US" altLang="ko-KR">
+                <a:solidFill>
+                  <a:schemeClr val="bg1"/>
+                </a:solidFill>
+              </a:rPr>
               <a:t>HTTP </a:t>
             </a:r>
             <a:r>
-              <a:rPr lang="ko-KR" altLang="en-US" dirty="0"/>
+              <a:rPr lang="ko-KR" altLang="en-US" dirty="0">
+                <a:solidFill>
+                  <a:schemeClr val="bg1"/>
+                </a:solidFill>
+              </a:rPr>
               <a:t>통신</a:t>
             </a:r>
+          </a:p>
+        </p:txBody>
+      </p:sp>
+      <p:sp>
+        <p:nvSpPr>
+          <p:cNvPr id="45" name="화살표: 갈매기형 수장 44">
+            <a:extLst>
+              <a:ext uri="{FF2B5EF4-FFF2-40B4-BE49-F238E27FC236}">
+                <a16:creationId xmlns:a16="http://schemas.microsoft.com/office/drawing/2014/main" id="{C8626462-57E3-4079-8BDB-BB22D8749059}"/>
+              </a:ext>
+            </a:extLst>
+          </p:cNvPr>
+          <p:cNvSpPr/>
+          <p:nvPr/>
+        </p:nvSpPr>
+        <p:spPr>
+          <a:xfrm>
+            <a:off x="5738870" y="1537471"/>
+            <a:ext cx="868549" cy="4185903"/>
+          </a:xfrm>
+          <a:prstGeom prst="chevron">
+            <a:avLst>
+              <a:gd name="adj" fmla="val 65184"/>
+            </a:avLst>
+          </a:prstGeom>
+          <a:solidFill>
+            <a:schemeClr val="bg1"/>
+          </a:solidFill>
+          <a:ln>
+            <a:noFill/>
+          </a:ln>
+        </p:spPr>
+        <p:style>
+          <a:lnRef idx="2">
+            <a:schemeClr val="accent1">
+              <a:shade val="50000"/>
+            </a:schemeClr>
+          </a:lnRef>
+          <a:fillRef idx="1">
+            <a:schemeClr val="accent1"/>
+          </a:fillRef>
+          <a:effectRef idx="0">
+            <a:schemeClr val="accent1"/>
+          </a:effectRef>
+          <a:fontRef idx="minor">
+            <a:schemeClr val="lt1"/>
+          </a:fontRef>
+        </p:style>
+        <p:txBody>
+          <a:bodyPr rtlCol="0" anchor="ctr"/>
+          <a:lstStyle/>
+          <a:p>
+            <a:pPr algn="ctr"/>
+            <a:endParaRPr lang="ko-KR" altLang="en-US">
+              <a:solidFill>
+                <a:schemeClr val="tx1"/>
+              </a:solidFill>
+            </a:endParaRPr>
           </a:p>
         </p:txBody>
       </p:sp>

--- a/docs/img/서버구조.pptx
+++ b/docs/img/서버구조.pptx
@@ -7,6 +7,7 @@
   <p:sldIdLst>
     <p:sldId id="260" r:id="rId2"/>
     <p:sldId id="259" r:id="rId3"/>
+    <p:sldId id="261" r:id="rId4"/>
   </p:sldIdLst>
   <p:sldSz cx="12192000" cy="6858000"/>
   <p:notesSz cx="6858000" cy="9144000"/>
@@ -264,7 +265,7 @@
           <a:p>
             <a:fld id="{219FCED2-2238-4DC3-9117-C8A0EC484ABB}" type="datetimeFigureOut">
               <a:rPr lang="ko-KR" altLang="en-US" smtClean="0"/>
-              <a:t>2017-10-26</a:t>
+              <a:t>2017-10-28</a:t>
             </a:fld>
             <a:endParaRPr lang="ko-KR" altLang="en-US"/>
           </a:p>
@@ -462,7 +463,7 @@
           <a:p>
             <a:fld id="{219FCED2-2238-4DC3-9117-C8A0EC484ABB}" type="datetimeFigureOut">
               <a:rPr lang="ko-KR" altLang="en-US" smtClean="0"/>
-              <a:t>2017-10-26</a:t>
+              <a:t>2017-10-28</a:t>
             </a:fld>
             <a:endParaRPr lang="ko-KR" altLang="en-US"/>
           </a:p>
@@ -670,7 +671,7 @@
           <a:p>
             <a:fld id="{219FCED2-2238-4DC3-9117-C8A0EC484ABB}" type="datetimeFigureOut">
               <a:rPr lang="ko-KR" altLang="en-US" smtClean="0"/>
-              <a:t>2017-10-26</a:t>
+              <a:t>2017-10-28</a:t>
             </a:fld>
             <a:endParaRPr lang="ko-KR" altLang="en-US"/>
           </a:p>
@@ -868,7 +869,7 @@
           <a:p>
             <a:fld id="{219FCED2-2238-4DC3-9117-C8A0EC484ABB}" type="datetimeFigureOut">
               <a:rPr lang="ko-KR" altLang="en-US" smtClean="0"/>
-              <a:t>2017-10-26</a:t>
+              <a:t>2017-10-28</a:t>
             </a:fld>
             <a:endParaRPr lang="ko-KR" altLang="en-US"/>
           </a:p>
@@ -1143,7 +1144,7 @@
           <a:p>
             <a:fld id="{219FCED2-2238-4DC3-9117-C8A0EC484ABB}" type="datetimeFigureOut">
               <a:rPr lang="ko-KR" altLang="en-US" smtClean="0"/>
-              <a:t>2017-10-26</a:t>
+              <a:t>2017-10-28</a:t>
             </a:fld>
             <a:endParaRPr lang="ko-KR" altLang="en-US"/>
           </a:p>
@@ -1408,7 +1409,7 @@
           <a:p>
             <a:fld id="{219FCED2-2238-4DC3-9117-C8A0EC484ABB}" type="datetimeFigureOut">
               <a:rPr lang="ko-KR" altLang="en-US" smtClean="0"/>
-              <a:t>2017-10-26</a:t>
+              <a:t>2017-10-28</a:t>
             </a:fld>
             <a:endParaRPr lang="ko-KR" altLang="en-US"/>
           </a:p>
@@ -1820,7 +1821,7 @@
           <a:p>
             <a:fld id="{219FCED2-2238-4DC3-9117-C8A0EC484ABB}" type="datetimeFigureOut">
               <a:rPr lang="ko-KR" altLang="en-US" smtClean="0"/>
-              <a:t>2017-10-26</a:t>
+              <a:t>2017-10-28</a:t>
             </a:fld>
             <a:endParaRPr lang="ko-KR" altLang="en-US"/>
           </a:p>
@@ -1961,7 +1962,7 @@
           <a:p>
             <a:fld id="{219FCED2-2238-4DC3-9117-C8A0EC484ABB}" type="datetimeFigureOut">
               <a:rPr lang="ko-KR" altLang="en-US" smtClean="0"/>
-              <a:t>2017-10-26</a:t>
+              <a:t>2017-10-28</a:t>
             </a:fld>
             <a:endParaRPr lang="ko-KR" altLang="en-US"/>
           </a:p>
@@ -2074,7 +2075,7 @@
           <a:p>
             <a:fld id="{219FCED2-2238-4DC3-9117-C8A0EC484ABB}" type="datetimeFigureOut">
               <a:rPr lang="ko-KR" altLang="en-US" smtClean="0"/>
-              <a:t>2017-10-26</a:t>
+              <a:t>2017-10-28</a:t>
             </a:fld>
             <a:endParaRPr lang="ko-KR" altLang="en-US"/>
           </a:p>
@@ -2385,7 +2386,7 @@
           <a:p>
             <a:fld id="{219FCED2-2238-4DC3-9117-C8A0EC484ABB}" type="datetimeFigureOut">
               <a:rPr lang="ko-KR" altLang="en-US" smtClean="0"/>
-              <a:t>2017-10-26</a:t>
+              <a:t>2017-10-28</a:t>
             </a:fld>
             <a:endParaRPr lang="ko-KR" altLang="en-US"/>
           </a:p>
@@ -2673,7 +2674,7 @@
           <a:p>
             <a:fld id="{219FCED2-2238-4DC3-9117-C8A0EC484ABB}" type="datetimeFigureOut">
               <a:rPr lang="ko-KR" altLang="en-US" smtClean="0"/>
-              <a:t>2017-10-26</a:t>
+              <a:t>2017-10-28</a:t>
             </a:fld>
             <a:endParaRPr lang="ko-KR" altLang="en-US"/>
           </a:p>
@@ -2914,7 +2915,7 @@
           <a:p>
             <a:fld id="{219FCED2-2238-4DC3-9117-C8A0EC484ABB}" type="datetimeFigureOut">
               <a:rPr lang="ko-KR" altLang="en-US" smtClean="0"/>
-              <a:t>2017-10-26</a:t>
+              <a:t>2017-10-28</a:t>
             </a:fld>
             <a:endParaRPr lang="ko-KR" altLang="en-US"/>
           </a:p>
@@ -8531,6 +8532,524 @@
 </p:sld>
 </file>
 
+<file path=ppt/slides/slide3.xml><?xml version="1.0" encoding="utf-8"?>
+<p:sld xmlns:a="http://schemas.openxmlformats.org/drawingml/2006/main" xmlns:r="http://schemas.openxmlformats.org/officeDocument/2006/relationships" xmlns:p="http://schemas.openxmlformats.org/presentationml/2006/main">
+  <p:cSld>
+    <p:spTree>
+      <p:nvGrpSpPr>
+        <p:cNvPr id="1" name=""/>
+        <p:cNvGrpSpPr/>
+        <p:nvPr/>
+      </p:nvGrpSpPr>
+      <p:grpSpPr>
+        <a:xfrm>
+          <a:off x="0" y="0"/>
+          <a:ext cx="0" cy="0"/>
+          <a:chOff x="0" y="0"/>
+          <a:chExt cx="0" cy="0"/>
+        </a:xfrm>
+      </p:grpSpPr>
+      <p:sp>
+        <p:nvSpPr>
+          <p:cNvPr id="4" name="사각형: 둥근 모서리 3">
+            <a:extLst>
+              <a:ext uri="{FF2B5EF4-FFF2-40B4-BE49-F238E27FC236}">
+                <a16:creationId xmlns:a16="http://schemas.microsoft.com/office/drawing/2014/main" id="{9F18334D-7B7E-41DC-B27B-062F09BC2A3A}"/>
+              </a:ext>
+            </a:extLst>
+          </p:cNvPr>
+          <p:cNvSpPr/>
+          <p:nvPr/>
+        </p:nvSpPr>
+        <p:spPr>
+          <a:xfrm>
+            <a:off x="2833412" y="3240361"/>
+            <a:ext cx="1427369" cy="455736"/>
+          </a:xfrm>
+          <a:prstGeom prst="roundRect">
+            <a:avLst>
+              <a:gd name="adj" fmla="val 10190"/>
+            </a:avLst>
+          </a:prstGeom>
+          <a:solidFill>
+            <a:schemeClr val="accent1">
+              <a:lumMod val="20000"/>
+              <a:lumOff val="80000"/>
+            </a:schemeClr>
+          </a:solidFill>
+          <a:ln>
+            <a:solidFill>
+              <a:schemeClr val="bg2">
+                <a:lumMod val="25000"/>
+              </a:schemeClr>
+            </a:solidFill>
+          </a:ln>
+        </p:spPr>
+        <p:style>
+          <a:lnRef idx="2">
+            <a:schemeClr val="accent1">
+              <a:shade val="50000"/>
+            </a:schemeClr>
+          </a:lnRef>
+          <a:fillRef idx="1">
+            <a:schemeClr val="accent1"/>
+          </a:fillRef>
+          <a:effectRef idx="0">
+            <a:schemeClr val="accent1"/>
+          </a:effectRef>
+          <a:fontRef idx="minor">
+            <a:schemeClr val="lt1"/>
+          </a:fontRef>
+        </p:style>
+        <p:txBody>
+          <a:bodyPr rtlCol="0" anchor="ctr"/>
+          <a:lstStyle/>
+          <a:p>
+            <a:pPr algn="ctr"/>
+            <a:r>
+              <a:rPr lang="en-US" altLang="ko-KR" dirty="0">
+                <a:solidFill>
+                  <a:schemeClr val="tx1"/>
+                </a:solidFill>
+              </a:rPr>
+              <a:t>OS</a:t>
+            </a:r>
+            <a:endParaRPr lang="ko-KR" altLang="en-US" dirty="0">
+              <a:solidFill>
+                <a:schemeClr val="tx1"/>
+              </a:solidFill>
+            </a:endParaRPr>
+          </a:p>
+        </p:txBody>
+      </p:sp>
+      <p:sp>
+        <p:nvSpPr>
+          <p:cNvPr id="5" name="사각형: 둥근 모서리 4">
+            <a:extLst>
+              <a:ext uri="{FF2B5EF4-FFF2-40B4-BE49-F238E27FC236}">
+                <a16:creationId xmlns:a16="http://schemas.microsoft.com/office/drawing/2014/main" id="{19CAC33C-75EB-47D0-B430-80CC0563D6C7}"/>
+              </a:ext>
+            </a:extLst>
+          </p:cNvPr>
+          <p:cNvSpPr/>
+          <p:nvPr/>
+        </p:nvSpPr>
+        <p:spPr>
+          <a:xfrm>
+            <a:off x="2833412" y="2715021"/>
+            <a:ext cx="1427369" cy="455736"/>
+          </a:xfrm>
+          <a:prstGeom prst="roundRect">
+            <a:avLst>
+              <a:gd name="adj" fmla="val 10190"/>
+            </a:avLst>
+          </a:prstGeom>
+          <a:solidFill>
+            <a:schemeClr val="accent1">
+              <a:lumMod val="20000"/>
+              <a:lumOff val="80000"/>
+            </a:schemeClr>
+          </a:solidFill>
+          <a:ln>
+            <a:solidFill>
+              <a:schemeClr val="bg2">
+                <a:lumMod val="25000"/>
+              </a:schemeClr>
+            </a:solidFill>
+          </a:ln>
+        </p:spPr>
+        <p:style>
+          <a:lnRef idx="2">
+            <a:schemeClr val="accent1">
+              <a:shade val="50000"/>
+            </a:schemeClr>
+          </a:lnRef>
+          <a:fillRef idx="1">
+            <a:schemeClr val="accent1"/>
+          </a:fillRef>
+          <a:effectRef idx="0">
+            <a:schemeClr val="accent1"/>
+          </a:effectRef>
+          <a:fontRef idx="minor">
+            <a:schemeClr val="lt1"/>
+          </a:fontRef>
+        </p:style>
+        <p:txBody>
+          <a:bodyPr rtlCol="0" anchor="ctr"/>
+          <a:lstStyle/>
+          <a:p>
+            <a:pPr algn="ctr"/>
+            <a:r>
+              <a:rPr lang="en-US" altLang="ko-KR" dirty="0">
+                <a:solidFill>
+                  <a:schemeClr val="tx1"/>
+                </a:solidFill>
+              </a:rPr>
+              <a:t>Server</a:t>
+            </a:r>
+            <a:endParaRPr lang="ko-KR" altLang="en-US" dirty="0">
+              <a:solidFill>
+                <a:schemeClr val="tx1"/>
+              </a:solidFill>
+            </a:endParaRPr>
+          </a:p>
+        </p:txBody>
+      </p:sp>
+      <p:sp>
+        <p:nvSpPr>
+          <p:cNvPr id="6" name="사각형: 둥근 모서리 5">
+            <a:extLst>
+              <a:ext uri="{FF2B5EF4-FFF2-40B4-BE49-F238E27FC236}">
+                <a16:creationId xmlns:a16="http://schemas.microsoft.com/office/drawing/2014/main" id="{A37A35EC-9DBF-4F14-89B3-64F26F04D54F}"/>
+              </a:ext>
+            </a:extLst>
+          </p:cNvPr>
+          <p:cNvSpPr/>
+          <p:nvPr/>
+        </p:nvSpPr>
+        <p:spPr>
+          <a:xfrm>
+            <a:off x="2833413" y="2196276"/>
+            <a:ext cx="926076" cy="455736"/>
+          </a:xfrm>
+          <a:prstGeom prst="roundRect">
+            <a:avLst>
+              <a:gd name="adj" fmla="val 10190"/>
+            </a:avLst>
+          </a:prstGeom>
+          <a:solidFill>
+            <a:schemeClr val="accent1">
+              <a:lumMod val="20000"/>
+              <a:lumOff val="80000"/>
+            </a:schemeClr>
+          </a:solidFill>
+          <a:ln>
+            <a:solidFill>
+              <a:schemeClr val="bg2">
+                <a:lumMod val="25000"/>
+              </a:schemeClr>
+            </a:solidFill>
+          </a:ln>
+        </p:spPr>
+        <p:style>
+          <a:lnRef idx="2">
+            <a:schemeClr val="accent1">
+              <a:shade val="50000"/>
+            </a:schemeClr>
+          </a:lnRef>
+          <a:fillRef idx="1">
+            <a:schemeClr val="accent1"/>
+          </a:fillRef>
+          <a:effectRef idx="0">
+            <a:schemeClr val="accent1"/>
+          </a:effectRef>
+          <a:fontRef idx="minor">
+            <a:schemeClr val="lt1"/>
+          </a:fontRef>
+        </p:style>
+        <p:txBody>
+          <a:bodyPr rtlCol="0" anchor="ctr"/>
+          <a:lstStyle/>
+          <a:p>
+            <a:pPr algn="ctr"/>
+            <a:r>
+              <a:rPr lang="en-US" altLang="ko-KR" sz="1400" dirty="0">
+                <a:solidFill>
+                  <a:schemeClr val="tx1"/>
+                </a:solidFill>
+              </a:rPr>
+              <a:t>function</a:t>
+            </a:r>
+            <a:endParaRPr lang="ko-KR" altLang="en-US" sz="1400" dirty="0">
+              <a:solidFill>
+                <a:schemeClr val="tx1"/>
+              </a:solidFill>
+            </a:endParaRPr>
+          </a:p>
+        </p:txBody>
+      </p:sp>
+      <p:sp>
+        <p:nvSpPr>
+          <p:cNvPr id="7" name="사각형: 둥근 모서리 6">
+            <a:extLst>
+              <a:ext uri="{FF2B5EF4-FFF2-40B4-BE49-F238E27FC236}">
+                <a16:creationId xmlns:a16="http://schemas.microsoft.com/office/drawing/2014/main" id="{BC6F54E5-3EF5-4AEA-9234-B48EB8E3F186}"/>
+              </a:ext>
+            </a:extLst>
+          </p:cNvPr>
+          <p:cNvSpPr/>
+          <p:nvPr/>
+        </p:nvSpPr>
+        <p:spPr>
+          <a:xfrm>
+            <a:off x="3797743" y="2196276"/>
+            <a:ext cx="463038" cy="455736"/>
+          </a:xfrm>
+          <a:prstGeom prst="roundRect">
+            <a:avLst>
+              <a:gd name="adj" fmla="val 10190"/>
+            </a:avLst>
+          </a:prstGeom>
+          <a:solidFill>
+            <a:schemeClr val="accent1">
+              <a:lumMod val="20000"/>
+              <a:lumOff val="80000"/>
+            </a:schemeClr>
+          </a:solidFill>
+          <a:ln>
+            <a:solidFill>
+              <a:schemeClr val="bg2">
+                <a:lumMod val="25000"/>
+              </a:schemeClr>
+            </a:solidFill>
+          </a:ln>
+        </p:spPr>
+        <p:style>
+          <a:lnRef idx="2">
+            <a:schemeClr val="accent1">
+              <a:shade val="50000"/>
+            </a:schemeClr>
+          </a:lnRef>
+          <a:fillRef idx="1">
+            <a:schemeClr val="accent1"/>
+          </a:fillRef>
+          <a:effectRef idx="0">
+            <a:schemeClr val="accent1"/>
+          </a:effectRef>
+          <a:fontRef idx="minor">
+            <a:schemeClr val="lt1"/>
+          </a:fontRef>
+        </p:style>
+        <p:txBody>
+          <a:bodyPr lIns="72000" rIns="72000" rtlCol="0" anchor="ctr"/>
+          <a:lstStyle/>
+          <a:p>
+            <a:pPr algn="ctr"/>
+            <a:r>
+              <a:rPr lang="en-US" altLang="ko-KR" sz="1400" dirty="0">
+                <a:solidFill>
+                  <a:schemeClr val="tx1"/>
+                </a:solidFill>
+              </a:rPr>
+              <a:t>log</a:t>
+            </a:r>
+            <a:endParaRPr lang="ko-KR" altLang="en-US" sz="1400" dirty="0">
+              <a:solidFill>
+                <a:schemeClr val="tx1"/>
+              </a:solidFill>
+            </a:endParaRPr>
+          </a:p>
+        </p:txBody>
+      </p:sp>
+      <p:sp>
+        <p:nvSpPr>
+          <p:cNvPr id="8" name="사각형: 둥근 모서리 7">
+            <a:extLst>
+              <a:ext uri="{FF2B5EF4-FFF2-40B4-BE49-F238E27FC236}">
+                <a16:creationId xmlns:a16="http://schemas.microsoft.com/office/drawing/2014/main" id="{7828045F-BB18-4C21-A1A2-0B21C24A3210}"/>
+              </a:ext>
+            </a:extLst>
+          </p:cNvPr>
+          <p:cNvSpPr/>
+          <p:nvPr/>
+        </p:nvSpPr>
+        <p:spPr>
+          <a:xfrm>
+            <a:off x="5487413" y="3012493"/>
+            <a:ext cx="1427369" cy="455736"/>
+          </a:xfrm>
+          <a:prstGeom prst="roundRect">
+            <a:avLst>
+              <a:gd name="adj" fmla="val 10190"/>
+            </a:avLst>
+          </a:prstGeom>
+          <a:solidFill>
+            <a:schemeClr val="accent1"/>
+          </a:solidFill>
+          <a:ln>
+            <a:solidFill>
+              <a:schemeClr val="bg2">
+                <a:lumMod val="25000"/>
+              </a:schemeClr>
+            </a:solidFill>
+          </a:ln>
+        </p:spPr>
+        <p:style>
+          <a:lnRef idx="2">
+            <a:schemeClr val="accent1">
+              <a:shade val="50000"/>
+            </a:schemeClr>
+          </a:lnRef>
+          <a:fillRef idx="1">
+            <a:schemeClr val="accent1"/>
+          </a:fillRef>
+          <a:effectRef idx="0">
+            <a:schemeClr val="accent1"/>
+          </a:effectRef>
+          <a:fontRef idx="minor">
+            <a:schemeClr val="lt1"/>
+          </a:fontRef>
+        </p:style>
+        <p:txBody>
+          <a:bodyPr rtlCol="0" anchor="ctr"/>
+          <a:lstStyle/>
+          <a:p>
+            <a:pPr algn="ctr"/>
+            <a:r>
+              <a:rPr lang="en-US" altLang="ko-KR" dirty="0">
+                <a:solidFill>
+                  <a:schemeClr val="bg1"/>
+                </a:solidFill>
+              </a:rPr>
+              <a:t>OS</a:t>
+            </a:r>
+            <a:endParaRPr lang="ko-KR" altLang="en-US" dirty="0">
+              <a:solidFill>
+                <a:schemeClr val="bg1"/>
+              </a:solidFill>
+            </a:endParaRPr>
+          </a:p>
+        </p:txBody>
+      </p:sp>
+      <p:sp>
+        <p:nvSpPr>
+          <p:cNvPr id="9" name="사각형: 둥근 모서리 8">
+            <a:extLst>
+              <a:ext uri="{FF2B5EF4-FFF2-40B4-BE49-F238E27FC236}">
+                <a16:creationId xmlns:a16="http://schemas.microsoft.com/office/drawing/2014/main" id="{973CD0D3-A51A-40DC-8DAE-921811BE2875}"/>
+              </a:ext>
+            </a:extLst>
+          </p:cNvPr>
+          <p:cNvSpPr/>
+          <p:nvPr/>
+        </p:nvSpPr>
+        <p:spPr>
+          <a:xfrm>
+            <a:off x="5487413" y="2493748"/>
+            <a:ext cx="1427369" cy="455736"/>
+          </a:xfrm>
+          <a:prstGeom prst="roundRect">
+            <a:avLst>
+              <a:gd name="adj" fmla="val 10190"/>
+            </a:avLst>
+          </a:prstGeom>
+          <a:solidFill>
+            <a:schemeClr val="accent1"/>
+          </a:solidFill>
+          <a:ln>
+            <a:solidFill>
+              <a:schemeClr val="bg2">
+                <a:lumMod val="25000"/>
+              </a:schemeClr>
+            </a:solidFill>
+          </a:ln>
+        </p:spPr>
+        <p:style>
+          <a:lnRef idx="2">
+            <a:schemeClr val="accent1">
+              <a:shade val="50000"/>
+            </a:schemeClr>
+          </a:lnRef>
+          <a:fillRef idx="1">
+            <a:schemeClr val="accent1"/>
+          </a:fillRef>
+          <a:effectRef idx="0">
+            <a:schemeClr val="accent1"/>
+          </a:effectRef>
+          <a:fontRef idx="minor">
+            <a:schemeClr val="lt1"/>
+          </a:fontRef>
+        </p:style>
+        <p:txBody>
+          <a:bodyPr rtlCol="0" anchor="ctr"/>
+          <a:lstStyle/>
+          <a:p>
+            <a:pPr algn="ctr"/>
+            <a:r>
+              <a:rPr lang="en-US" altLang="ko-KR" dirty="0">
+                <a:solidFill>
+                  <a:schemeClr val="bg1"/>
+                </a:solidFill>
+              </a:rPr>
+              <a:t>function</a:t>
+            </a:r>
+            <a:endParaRPr lang="ko-KR" altLang="en-US" dirty="0">
+              <a:solidFill>
+                <a:schemeClr val="bg1"/>
+              </a:solidFill>
+            </a:endParaRPr>
+          </a:p>
+        </p:txBody>
+      </p:sp>
+      <p:sp>
+        <p:nvSpPr>
+          <p:cNvPr id="10" name="화살표: 갈매기형 수장 9">
+            <a:extLst>
+              <a:ext uri="{FF2B5EF4-FFF2-40B4-BE49-F238E27FC236}">
+                <a16:creationId xmlns:a16="http://schemas.microsoft.com/office/drawing/2014/main" id="{E75DCE62-9E02-490A-95D0-0F0F4476A0CE}"/>
+              </a:ext>
+            </a:extLst>
+          </p:cNvPr>
+          <p:cNvSpPr/>
+          <p:nvPr/>
+        </p:nvSpPr>
+        <p:spPr>
+          <a:xfrm>
+            <a:off x="4667036" y="2690508"/>
+            <a:ext cx="414121" cy="588349"/>
+          </a:xfrm>
+          <a:prstGeom prst="chevron">
+            <a:avLst/>
+          </a:prstGeom>
+          <a:solidFill>
+            <a:schemeClr val="bg1"/>
+          </a:solidFill>
+          <a:ln>
+            <a:noFill/>
+          </a:ln>
+        </p:spPr>
+        <p:style>
+          <a:lnRef idx="2">
+            <a:schemeClr val="accent1">
+              <a:shade val="50000"/>
+            </a:schemeClr>
+          </a:lnRef>
+          <a:fillRef idx="1">
+            <a:schemeClr val="accent1"/>
+          </a:fillRef>
+          <a:effectRef idx="0">
+            <a:schemeClr val="accent1"/>
+          </a:effectRef>
+          <a:fontRef idx="minor">
+            <a:schemeClr val="lt1"/>
+          </a:fontRef>
+        </p:style>
+        <p:txBody>
+          <a:bodyPr rtlCol="0" anchor="ctr"/>
+          <a:lstStyle/>
+          <a:p>
+            <a:pPr algn="ctr"/>
+            <a:endParaRPr lang="ko-KR" altLang="en-US">
+              <a:solidFill>
+                <a:schemeClr val="tx1"/>
+              </a:solidFill>
+            </a:endParaRPr>
+          </a:p>
+        </p:txBody>
+      </p:sp>
+    </p:spTree>
+    <p:extLst>
+      <p:ext uri="{BB962C8B-B14F-4D97-AF65-F5344CB8AC3E}">
+        <p14:creationId xmlns:p14="http://schemas.microsoft.com/office/powerpoint/2010/main" val="3551999149"/>
+      </p:ext>
+    </p:extLst>
+  </p:cSld>
+  <p:clrMapOvr>
+    <a:masterClrMapping/>
+  </p:clrMapOvr>
+</p:sld>
+</file>
+
 <file path=ppt/theme/theme1.xml><?xml version="1.0" encoding="utf-8"?>
 <a:theme xmlns:a="http://schemas.openxmlformats.org/drawingml/2006/main" name="Office 테마">
   <a:themeElements>
